--- a/Dataverse AI Actions.pptx
+++ b/Dataverse AI Actions.pptx
@@ -16413,19 +16413,17 @@
       </p:sp>
       <p:pic>
         <p:nvPicPr>
-          <p:cNvPr id="5" name="Content Placeholder 4">
+          <p:cNvPr id="7" name="Picture 6">
             <a:extLst>
               <a:ext uri="{FF2B5EF4-FFF2-40B4-BE49-F238E27FC236}">
-                <a16:creationId xmlns:a16="http://schemas.microsoft.com/office/drawing/2014/main" id="{C708C696-47EA-2011-0416-A5BCB33011D7}"/>
+                <a16:creationId xmlns:a16="http://schemas.microsoft.com/office/drawing/2014/main" id="{EAE325CE-3966-EDDB-ADD1-29294E3C4E05}"/>
               </a:ext>
             </a:extLst>
           </p:cNvPr>
           <p:cNvPicPr>
-            <a:picLocks noGrp="1" noChangeAspect="1"/>
+            <a:picLocks noChangeAspect="1"/>
           </p:cNvPicPr>
-          <p:nvPr>
-            <p:ph idx="1"/>
-          </p:nvPr>
+          <p:nvPr/>
         </p:nvPicPr>
         <p:blipFill>
           <a:blip r:embed="rId3"/>
@@ -16435,9 +16433,12 @@
         </p:blipFill>
         <p:spPr>
           <a:xfrm>
-            <a:off x="3136892" y="1686559"/>
-            <a:ext cx="4454791" cy="4399451"/>
+            <a:off x="2825062" y="1411781"/>
+            <a:ext cx="4694534" cy="4466922"/>
           </a:xfrm>
+          <a:prstGeom prst="rect">
+            <a:avLst/>
+          </a:prstGeom>
         </p:spPr>
       </p:pic>
     </p:spTree>

--- a/Dataverse AI Actions.pptx
+++ b/Dataverse AI Actions.pptx
@@ -720,60 +720,7 @@
           <a:bodyPr/>
           <a:lstStyle/>
           <a:p>
-            <a:r>
-              <a:rPr lang="hu-HU" dirty="0"/>
-              <a:t>Does its job nicely.</a:t>
-            </a:r>
-          </a:p>
-          <a:p>
-            <a:r>
-              <a:rPr lang="hu-HU" dirty="0"/>
-              <a:t>Accurately categorizes texts.</a:t>
-            </a:r>
-          </a:p>
-          <a:p>
-            <a:endParaRPr lang="hu-HU" dirty="0"/>
-          </a:p>
-          <a:p>
-            <a:r>
-              <a:rPr lang="hu-HU" dirty="0"/>
-              <a:t>Cant be used for more granular sentiment analyzis, cant do it accurately</a:t>
-            </a:r>
-          </a:p>
-          <a:p>
-            <a:endParaRPr lang="hu-HU" dirty="0"/>
-          </a:p>
-          <a:p>
-            <a:pPr marL="0" marR="0" lvl="0" indent="0" algn="l" defTabSz="914400" rtl="0" eaLnBrk="1" fontAlgn="auto" latinLnBrk="0" hangingPunct="1">
-              <a:lnSpc>
-                <a:spcPct val="100000"/>
-              </a:lnSpc>
-              <a:spcBef>
-                <a:spcPts val="0"/>
-              </a:spcBef>
-              <a:spcAft>
-                <a:spcPts val="0"/>
-              </a:spcAft>
-              <a:buClrTx/>
-              <a:buSzTx/>
-              <a:buFontTx/>
-              <a:buNone/>
-              <a:tabLst/>
-              <a:defRPr/>
-            </a:pPr>
-            <a:r>
-              <a:rPr lang="hu-HU" dirty="0"/>
-              <a:t>In theory should be an exact match with provided categories</a:t>
-            </a:r>
-          </a:p>
-          <a:p>
-            <a:r>
-              <a:rPr lang="hu-HU" dirty="0"/>
-              <a:t>Sometimes it prefixes the choosen category with ‚Category: ’</a:t>
-            </a:r>
-          </a:p>
-          <a:p>
-            <a:endParaRPr lang="hu-HU" dirty="0"/>
+            <a:endParaRPr lang="en-US" noProof="0" dirty="0"/>
           </a:p>
         </p:txBody>
       </p:sp>
@@ -857,16 +804,7 @@
           <a:bodyPr/>
           <a:lstStyle/>
           <a:p>
-            <a:r>
-              <a:rPr lang="hu-HU" dirty="0"/>
-              <a:t>It seem its not working at all at this time</a:t>
-            </a:r>
-          </a:p>
-          <a:p>
-            <a:r>
-              <a:rPr lang="hu-HU" dirty="0"/>
-              <a:t>Always return empty collection. In PA flow and in PowerFx function too.</a:t>
-            </a:r>
+            <a:endParaRPr lang="hu-HU" dirty="0"/>
           </a:p>
         </p:txBody>
       </p:sp>
@@ -8807,94 +8745,105 @@
         </p:spPr>
         <p:txBody>
           <a:bodyPr>
-            <a:normAutofit lnSpcReduction="10000"/>
+            <a:normAutofit fontScale="92500" lnSpcReduction="10000"/>
           </a:bodyPr>
           <a:lstStyle/>
           <a:p>
             <a:r>
-              <a:rPr lang="hu-HU" b="1" dirty="0">
+              <a:rPr lang="en-US" b="1" dirty="0" err="1">
                 <a:latin typeface="Courier New" panose="02070309020205020404" pitchFamily="49" charset="0"/>
                 <a:cs typeface="Courier New" panose="02070309020205020404" pitchFamily="49" charset="0"/>
               </a:rPr>
-              <a:t>AIClassify(Text, Categories)</a:t>
-            </a:r>
-          </a:p>
-          <a:p>
+              <a:t>AIClassify</a:t>
+            </a:r>
+            <a:r>
+              <a:rPr lang="en-US" b="1" dirty="0">
+                <a:latin typeface="Courier New" panose="02070309020205020404" pitchFamily="49" charset="0"/>
+                <a:cs typeface="Courier New" panose="02070309020205020404" pitchFamily="49" charset="0"/>
+              </a:rPr>
+              <a:t>(Text, Categories)</a:t>
+            </a:r>
+          </a:p>
+          <a:p>
+            <a:r>
+              <a:rPr lang="en-US" dirty="0"/>
+              <a:t>Text </a:t>
+            </a:r>
+            <a:r>
+              <a:rPr lang="en-US" i="1" dirty="0"/>
+              <a:t>(string)</a:t>
+            </a:r>
+          </a:p>
+          <a:p>
+            <a:pPr lvl="1"/>
+            <a:r>
+              <a:rPr lang="en-US" dirty="0"/>
+              <a:t>The text to classify based on the provided categories</a:t>
+            </a:r>
+          </a:p>
+          <a:p>
+            <a:r>
+              <a:rPr lang="en-US" dirty="0"/>
+              <a:t>Categories </a:t>
+            </a:r>
+            <a:r>
+              <a:rPr lang="en-US" i="1" dirty="0"/>
+              <a:t>(string collection)</a:t>
+            </a:r>
+          </a:p>
+          <a:p>
+            <a:pPr lvl="1"/>
+            <a:r>
+              <a:rPr lang="en-US" dirty="0"/>
+              <a:t>The collection of categories/tags to choose from</a:t>
+            </a:r>
+          </a:p>
+          <a:p>
+            <a:endParaRPr lang="en-US" dirty="0"/>
+          </a:p>
+          <a:p>
+            <a:r>
+              <a:rPr lang="en-US" dirty="0"/>
+              <a:t>Returns </a:t>
+            </a:r>
+            <a:r>
+              <a:rPr lang="en-US" i="1" dirty="0"/>
+              <a:t>(Classification)</a:t>
+            </a:r>
+          </a:p>
+          <a:p>
+            <a:pPr lvl="1"/>
+            <a:r>
+              <a:rPr lang="en-US" dirty="0"/>
+              <a:t>Classification value can be „Unclear” or one of the provided categories</a:t>
+            </a:r>
+          </a:p>
+          <a:p>
+            <a:endParaRPr lang="en-US" dirty="0"/>
+          </a:p>
+          <a:p>
+            <a:r>
+              <a:rPr lang="en-US" dirty="0"/>
+              <a:t>Findings</a:t>
+            </a:r>
+          </a:p>
+          <a:p>
+            <a:pPr lvl="1"/>
             <a:r>
               <a:rPr lang="hu-HU" dirty="0"/>
-              <a:t>Text </a:t>
-            </a:r>
-            <a:r>
-              <a:rPr lang="hu-HU" i="1" dirty="0"/>
-              <a:t>(string)</a:t>
-            </a:r>
-          </a:p>
-          <a:p>
-            <a:pPr lvl="1"/>
+              <a:t>A </a:t>
+            </a:r>
+            <a:r>
+              <a:rPr lang="hu-HU" dirty="0" err="1"/>
+              <a:t>lot</a:t>
+            </a:r>
             <a:r>
               <a:rPr lang="hu-HU" dirty="0"/>
-              <a:t>The text to classify based on the provided categories</a:t>
-            </a:r>
-          </a:p>
-          <a:p>
-            <a:r>
-              <a:rPr lang="hu-HU" dirty="0"/>
-              <a:t>Categories </a:t>
-            </a:r>
-            <a:r>
-              <a:rPr lang="hu-HU" i="1" dirty="0"/>
-              <a:t>(string collection)</a:t>
-            </a:r>
-          </a:p>
-          <a:p>
-            <a:pPr lvl="1"/>
-            <a:r>
-              <a:rPr lang="hu-HU" dirty="0"/>
-              <a:t>The collection of categories/tags to choose from</a:t>
-            </a:r>
-          </a:p>
-          <a:p>
-            <a:endParaRPr lang="hu-HU" dirty="0"/>
-          </a:p>
-          <a:p>
-            <a:r>
-              <a:rPr lang="hu-HU" dirty="0"/>
-              <a:t>Returns </a:t>
-            </a:r>
-            <a:r>
-              <a:rPr lang="hu-HU" i="1" dirty="0"/>
-              <a:t>(Classification)</a:t>
-            </a:r>
-          </a:p>
-          <a:p>
-            <a:pPr lvl="1"/>
-            <a:r>
-              <a:rPr lang="hu-HU" dirty="0"/>
-              <a:t>Classification value can be „</a:t>
+              <a:t> of </a:t>
             </a:r>
             <a:r>
               <a:rPr lang="hu-HU" dirty="0" err="1"/>
-              <a:t>Unclear</a:t>
-            </a:r>
-            <a:r>
-              <a:rPr lang="hu-HU" dirty="0"/>
-              <a:t>” or one of the provided categories</a:t>
-            </a:r>
-          </a:p>
-          <a:p>
-            <a:endParaRPr lang="hu-HU" dirty="0"/>
-          </a:p>
-          <a:p>
-            <a:r>
-              <a:rPr lang="hu-HU" dirty="0"/>
-              <a:t>Findings</a:t>
-            </a:r>
-          </a:p>
-          <a:p>
-            <a:pPr lvl="1"/>
-            <a:r>
-              <a:rPr lang="hu-HU" dirty="0" err="1"/>
-              <a:t>Seems</a:t>
+              <a:t>the</a:t>
             </a:r>
             <a:r>
               <a:rPr lang="hu-HU" dirty="0"/>
@@ -8902,7 +8851,7 @@
             </a:r>
             <a:r>
               <a:rPr lang="hu-HU" dirty="0" err="1"/>
-              <a:t>accurate</a:t>
+              <a:t>time</a:t>
             </a:r>
             <a:r>
               <a:rPr lang="hu-HU" dirty="0"/>
@@ -8910,113 +8859,58 @@
             </a:r>
             <a:r>
               <a:rPr lang="hu-HU" dirty="0" err="1"/>
-              <a:t>msot</a:t>
+              <a:t>it</a:t>
             </a:r>
             <a:r>
               <a:rPr lang="hu-HU" dirty="0"/>
-              <a:t> of </a:t>
+              <a:t> is </a:t>
             </a:r>
             <a:r>
               <a:rPr lang="hu-HU" dirty="0" err="1"/>
-              <a:t>the</a:t>
-            </a:r>
-            <a:r>
-              <a:rPr lang="hu-HU" dirty="0"/>
-              <a:t> </a:t>
-            </a:r>
-            <a:r>
-              <a:rPr lang="hu-HU" dirty="0" err="1"/>
-              <a:t>time</a:t>
-            </a:r>
-            <a:r>
-              <a:rPr lang="hu-HU" dirty="0"/>
-              <a:t>, </a:t>
-            </a:r>
-            <a:r>
-              <a:rPr lang="hu-HU" dirty="0" err="1"/>
-              <a:t>when</a:t>
-            </a:r>
-            <a:r>
-              <a:rPr lang="hu-HU" dirty="0"/>
-              <a:t> </a:t>
-            </a:r>
-            <a:r>
-              <a:rPr lang="hu-HU" dirty="0" err="1"/>
-              <a:t>enough</a:t>
-            </a:r>
-            <a:r>
-              <a:rPr lang="hu-HU" dirty="0"/>
-              <a:t> context is </a:t>
-            </a:r>
-            <a:r>
-              <a:rPr lang="hu-HU" dirty="0" err="1"/>
-              <a:t>given</a:t>
-            </a:r>
-            <a:r>
-              <a:rPr lang="hu-HU" dirty="0"/>
-              <a:t>.</a:t>
-            </a:r>
+              <a:t>accurate</a:t>
+            </a:r>
+            <a:endParaRPr lang="en-US" dirty="0"/>
           </a:p>
           <a:p>
             <a:pPr lvl="1"/>
             <a:r>
-              <a:rPr lang="hu-HU" dirty="0" err="1"/>
-              <a:t>Can’t</a:t>
-            </a:r>
-            <a:r>
-              <a:rPr lang="hu-HU" dirty="0"/>
-              <a:t> be used for more granular sentiment analyzis</a:t>
+              <a:rPr lang="en-US" dirty="0"/>
+              <a:t>Can’t be used for more granular sentiment analysis</a:t>
             </a:r>
           </a:p>
           <a:p>
             <a:pPr lvl="1"/>
             <a:r>
-              <a:rPr lang="hu-HU" dirty="0"/>
-              <a:t>Sometimes returned category is prefixed </a:t>
-            </a:r>
-            <a:r>
-              <a:rPr lang="hu-HU" dirty="0" err="1"/>
-              <a:t>with</a:t>
-            </a:r>
-            <a:r>
-              <a:rPr lang="hu-HU" dirty="0"/>
-              <a:t> </a:t>
-            </a:r>
-            <a:r>
-              <a:rPr lang="hu-HU" dirty="0" err="1"/>
-              <a:t>various</a:t>
-            </a:r>
-            <a:r>
-              <a:rPr lang="hu-HU" dirty="0"/>
-              <a:t> </a:t>
-            </a:r>
-            <a:r>
-              <a:rPr lang="hu-HU" dirty="0" err="1"/>
-              <a:t>things</a:t>
-            </a:r>
-            <a:r>
-              <a:rPr lang="hu-HU" dirty="0"/>
-              <a:t>, like „</a:t>
-            </a:r>
-            <a:r>
-              <a:rPr lang="hu-HU" i="1" dirty="0" err="1"/>
-              <a:t>Category</a:t>
+              <a:rPr lang="en-US" dirty="0"/>
+              <a:t>Sometimes returned category is prefixed with various things, like „</a:t>
+            </a:r>
+            <a:r>
+              <a:rPr lang="en-US" i="1" dirty="0"/>
+              <a:t>Category:”</a:t>
             </a:r>
             <a:r>
               <a:rPr lang="hu-HU" i="1" dirty="0"/>
-              <a:t>:”</a:t>
+              <a:t>. </a:t>
+            </a:r>
+            <a:r>
+              <a:rPr lang="en-US" dirty="0"/>
+              <a:t>Needs extra validation.</a:t>
             </a:r>
             <a:endParaRPr lang="hu-HU" dirty="0"/>
           </a:p>
           <a:p>
-            <a:pPr lvl="2"/>
-            <a:r>
-              <a:rPr lang="hu-HU" dirty="0"/>
-              <a:t>Needs extra validation.</a:t>
-            </a:r>
-          </a:p>
-          <a:p>
-            <a:endParaRPr lang="hu-HU" dirty="0"/>
+            <a:pPr lvl="1"/>
+            <a:r>
+              <a:rPr lang="en-US" dirty="0"/>
+              <a:t>Sometimes it gives back really strange results.</a:t>
+            </a:r>
+          </a:p>
+          <a:p>
+            <a:pPr lvl="1"/>
+            <a:endParaRPr lang="en-US" dirty="0"/>
+          </a:p>
+          <a:p>
+            <a:endParaRPr lang="en-US" dirty="0"/>
           </a:p>
         </p:txBody>
       </p:sp>
@@ -9154,44 +9048,51 @@
           <a:lstStyle/>
           <a:p>
             <a:r>
-              <a:rPr lang="hu-HU" b="1" dirty="0">
+              <a:rPr lang="en-US" b="1" dirty="0" err="1">
                 <a:latin typeface="Courier New" panose="02070309020205020404" pitchFamily="49" charset="0"/>
                 <a:cs typeface="Courier New" panose="02070309020205020404" pitchFamily="49" charset="0"/>
               </a:rPr>
-              <a:t>AIExtract(Text, Entity)</a:t>
-            </a:r>
-          </a:p>
-          <a:p>
-            <a:r>
-              <a:rPr lang="hu-HU" dirty="0"/>
+              <a:t>AIExtract</a:t>
+            </a:r>
+            <a:r>
+              <a:rPr lang="en-US" b="1" dirty="0">
+                <a:latin typeface="Courier New" panose="02070309020205020404" pitchFamily="49" charset="0"/>
+                <a:cs typeface="Courier New" panose="02070309020205020404" pitchFamily="49" charset="0"/>
+              </a:rPr>
+              <a:t>(Text, Entity)</a:t>
+            </a:r>
+          </a:p>
+          <a:p>
+            <a:r>
+              <a:rPr lang="en-US" dirty="0"/>
               <a:t>Text </a:t>
             </a:r>
             <a:r>
-              <a:rPr lang="hu-HU" i="1" dirty="0"/>
+              <a:rPr lang="en-US" i="1" dirty="0"/>
               <a:t>(string)</a:t>
             </a:r>
           </a:p>
           <a:p>
             <a:pPr lvl="1"/>
             <a:r>
-              <a:rPr lang="hu-HU" dirty="0"/>
+              <a:rPr lang="en-US" dirty="0"/>
               <a:t>The text to extract entities from</a:t>
             </a:r>
           </a:p>
           <a:p>
             <a:r>
-              <a:rPr lang="hu-HU" dirty="0"/>
+              <a:rPr lang="en-US" dirty="0"/>
               <a:t>Entity </a:t>
             </a:r>
             <a:r>
-              <a:rPr lang="hu-HU" i="1" dirty="0"/>
+              <a:rPr lang="en-US" i="1" dirty="0"/>
               <a:t>(string)</a:t>
             </a:r>
           </a:p>
           <a:p>
             <a:pPr lvl="1"/>
             <a:r>
-              <a:rPr lang="hu-HU" dirty="0"/>
+              <a:rPr lang="en-US" dirty="0"/>
               <a:t>Type of entities to extract from the text</a:t>
             </a:r>
           </a:p>
@@ -9199,54 +9100,74 @@
             <a:pPr marL="0" indent="0">
               <a:buNone/>
             </a:pPr>
-            <a:endParaRPr lang="hu-HU" dirty="0"/>
-          </a:p>
-          <a:p>
+            <a:endParaRPr lang="en-US" dirty="0"/>
+          </a:p>
+          <a:p>
+            <a:r>
+              <a:rPr lang="en-US" dirty="0"/>
+              <a:t>Returns </a:t>
+            </a:r>
+            <a:r>
+              <a:rPr lang="en-US" i="1" dirty="0"/>
+              <a:t>(</a:t>
+            </a:r>
+            <a:r>
+              <a:rPr lang="en-US" i="1" dirty="0" err="1"/>
+              <a:t>ExtractedData</a:t>
+            </a:r>
+            <a:r>
+              <a:rPr lang="en-US" i="1" dirty="0"/>
+              <a:t>)</a:t>
+            </a:r>
+            <a:endParaRPr lang="en-US" dirty="0"/>
+          </a:p>
+          <a:p>
+            <a:pPr lvl="1"/>
+            <a:r>
+              <a:rPr lang="en-US" dirty="0"/>
+              <a:t>Collection of the extracted entities. Can contain zero or more items.</a:t>
+            </a:r>
+          </a:p>
+          <a:p>
+            <a:endParaRPr lang="en-US" dirty="0"/>
+          </a:p>
+          <a:p>
+            <a:r>
+              <a:rPr lang="en-US" dirty="0"/>
+              <a:t>Findings</a:t>
+            </a:r>
+          </a:p>
+          <a:p>
+            <a:pPr lvl="1"/>
+            <a:r>
+              <a:rPr lang="en-US" dirty="0"/>
+              <a:t>Still in development</a:t>
+            </a:r>
+          </a:p>
+          <a:p>
+            <a:pPr lvl="1"/>
+            <a:r>
+              <a:rPr lang="en-US" dirty="0"/>
+              <a:t>Looks like it </a:t>
+            </a:r>
+            <a:r>
+              <a:rPr lang="en-US" dirty="0" err="1"/>
+              <a:t>doesn</a:t>
+            </a:r>
             <a:r>
               <a:rPr lang="hu-HU" dirty="0"/>
-              <a:t>Returns </a:t>
-            </a:r>
-            <a:r>
-              <a:rPr lang="hu-HU" i="1" dirty="0"/>
-              <a:t>(ExtractedData)</a:t>
-            </a:r>
-            <a:endParaRPr lang="hu-HU" dirty="0"/>
-          </a:p>
-          <a:p>
-            <a:pPr lvl="1"/>
-            <a:r>
-              <a:rPr lang="hu-HU" dirty="0"/>
-              <a:t>Collection of the extracted entities. Can contain zero or more items.</a:t>
-            </a:r>
-          </a:p>
-          <a:p>
-            <a:endParaRPr lang="hu-HU" dirty="0"/>
-          </a:p>
-          <a:p>
-            <a:r>
-              <a:rPr lang="hu-HU" dirty="0"/>
-              <a:t>Findings</a:t>
-            </a:r>
-          </a:p>
-          <a:p>
-            <a:pPr lvl="1"/>
-            <a:r>
-              <a:rPr lang="hu-HU" dirty="0"/>
-              <a:t>Still in development</a:t>
-            </a:r>
-          </a:p>
-          <a:p>
-            <a:pPr lvl="1"/>
-            <a:r>
-              <a:rPr lang="hu-HU" dirty="0"/>
-              <a:t>Looks like it doesnt work at all. Alwasy gives back empty collection.</a:t>
-            </a:r>
-          </a:p>
-          <a:p>
-            <a:endParaRPr lang="hu-HU" dirty="0"/>
-          </a:p>
-          <a:p>
-            <a:endParaRPr lang="hu-HU" dirty="0"/>
+              <a:t>’</a:t>
+            </a:r>
+            <a:r>
+              <a:rPr lang="en-US" dirty="0"/>
+              <a:t>t work at all. Always gives back empty collection.</a:t>
+            </a:r>
+          </a:p>
+          <a:p>
+            <a:endParaRPr lang="en-US" dirty="0"/>
+          </a:p>
+          <a:p>
+            <a:endParaRPr lang="en-US" dirty="0"/>
           </a:p>
         </p:txBody>
       </p:sp>
@@ -11521,8 +11442,8 @@
         </p:nvSpPr>
         <p:spPr>
           <a:xfrm>
-            <a:off x="2849562" y="5219700"/>
-            <a:ext cx="6424440" cy="1228062"/>
+            <a:off x="2849562" y="4873214"/>
+            <a:ext cx="6424440" cy="1574548"/>
           </a:xfrm>
         </p:spPr>
         <p:txBody>
@@ -11531,10 +11452,6 @@
           </a:bodyPr>
           <a:lstStyle/>
           <a:p>
-            <a:r>
-              <a:rPr lang="hu-HU" dirty="0"/>
-              <a:t>Email: </a:t>
-            </a:r>
             <a:r>
               <a:rPr lang="hu-HU" dirty="0">
                 <a:hlinkClick r:id="rId3"/>
@@ -11545,12 +11462,17 @@
           </a:p>
           <a:p>
             <a:r>
-              <a:rPr lang="hu-HU" dirty="0"/>
-              <a:t>Linkedin: </a:t>
-            </a:r>
-            <a:r>
               <a:rPr lang="hu-HU" dirty="0">
                 <a:hlinkClick r:id="rId4"/>
+              </a:rPr>
+              <a:t>csonthejjas@gmail.com</a:t>
+            </a:r>
+            <a:endParaRPr lang="hu-HU" dirty="0"/>
+          </a:p>
+          <a:p>
+            <a:r>
+              <a:rPr lang="hu-HU" dirty="0">
+                <a:hlinkClick r:id="rId5"/>
               </a:rPr>
               <a:t>https://www.linkedin.com/in/odor-andras</a:t>
             </a:r>
@@ -11877,7 +11799,7 @@
           <p:nvPr/>
         </p:nvPicPr>
         <p:blipFill rotWithShape="1">
-          <a:blip r:embed="rId5"/>
+          <a:blip r:embed="rId6"/>
           <a:srcRect l="31991" t="8234" r="20411"/>
           <a:stretch/>
         </p:blipFill>
@@ -14954,7 +14876,7 @@
           <a:lstStyle/>
           <a:p>
             <a:r>
-              <a:rPr lang="hu-HU" dirty="0"/>
+              <a:rPr lang="en-US" dirty="0"/>
               <a:t>Summary</a:t>
             </a:r>
           </a:p>
@@ -14990,19 +14912,19 @@
               <a:buNone/>
             </a:pPr>
             <a:r>
-              <a:rPr lang="hu-HU" sz="2400" dirty="0"/>
+              <a:rPr lang="en-US" sz="2400" dirty="0"/>
               <a:t>Contra</a:t>
             </a:r>
           </a:p>
           <a:p>
             <a:r>
-              <a:rPr lang="hu-HU" dirty="0"/>
+              <a:rPr lang="en-US" dirty="0"/>
               <a:t>No customization, no additional context</a:t>
             </a:r>
           </a:p>
           <a:p>
             <a:r>
-              <a:rPr lang="hu-HU" dirty="0"/>
+              <a:rPr lang="en-US" dirty="0"/>
               <a:t>Still in development</a:t>
             </a:r>
           </a:p>
@@ -15267,37 +15189,45 @@
               <a:buNone/>
             </a:pPr>
             <a:r>
-              <a:rPr lang="hu-HU" sz="2400" dirty="0"/>
+              <a:rPr lang="en-US" sz="2400" dirty="0"/>
               <a:t>Pro</a:t>
             </a:r>
           </a:p>
           <a:p>
             <a:r>
-              <a:rPr lang="hu-HU" dirty="0"/>
+              <a:rPr lang="en-US" dirty="0"/>
               <a:t>Pre-trained and configured models</a:t>
             </a:r>
           </a:p>
           <a:p>
             <a:r>
-              <a:rPr lang="hu-HU" dirty="0"/>
+              <a:rPr lang="en-US" dirty="0"/>
               <a:t>Can be used instantly</a:t>
             </a:r>
           </a:p>
           <a:p>
             <a:r>
-              <a:rPr lang="hu-HU" dirty="0"/>
+              <a:rPr lang="en-US" dirty="0"/>
               <a:t>Part of the Dataverse Web API</a:t>
             </a:r>
           </a:p>
           <a:p>
             <a:r>
-              <a:rPr lang="hu-HU" dirty="0"/>
-              <a:t>Can be implemented in a wide varienty of ways</a:t>
+              <a:rPr lang="en-US" dirty="0"/>
+              <a:t>Can be implemented in a wide </a:t>
+            </a:r>
+            <a:r>
+              <a:rPr lang="en-US" dirty="0" err="1"/>
+              <a:t>varienty</a:t>
+            </a:r>
+            <a:r>
+              <a:rPr lang="en-US" dirty="0"/>
+              <a:t> of ways</a:t>
             </a:r>
           </a:p>
           <a:p>
             <a:pPr lvl="1"/>
-            <a:endParaRPr lang="hu-HU" dirty="0"/>
+            <a:endParaRPr lang="en-US" dirty="0"/>
           </a:p>
         </p:txBody>
       </p:sp>
@@ -15557,27 +15487,27 @@
           </a:lstStyle>
           <a:p>
             <a:r>
-              <a:rPr lang="hu-HU" dirty="0" err="1"/>
+              <a:rPr lang="en-US" dirty="0" err="1"/>
               <a:t>AISentiment</a:t>
             </a:r>
-            <a:endParaRPr lang="hu-HU" dirty="0"/>
-          </a:p>
-          <a:p>
-            <a:r>
-              <a:rPr lang="hu-HU" dirty="0" err="1"/>
+            <a:endParaRPr lang="en-US" dirty="0"/>
+          </a:p>
+          <a:p>
+            <a:r>
+              <a:rPr lang="en-US" dirty="0" err="1"/>
               <a:t>AISummarize</a:t>
             </a:r>
-            <a:endParaRPr lang="hu-HU" dirty="0"/>
-          </a:p>
-          <a:p>
-            <a:endParaRPr lang="hu-HU" dirty="0"/>
-          </a:p>
-          <a:p>
-            <a:r>
-              <a:rPr lang="hu-HU" dirty="0" err="1"/>
+            <a:endParaRPr lang="en-US" dirty="0"/>
+          </a:p>
+          <a:p>
+            <a:endParaRPr lang="en-US" dirty="0"/>
+          </a:p>
+          <a:p>
+            <a:r>
+              <a:rPr lang="en-US" dirty="0" err="1"/>
               <a:t>AIExtract</a:t>
             </a:r>
-            <a:endParaRPr lang="hu-HU" dirty="0"/>
+            <a:endParaRPr lang="en-US" dirty="0"/>
           </a:p>
         </p:txBody>
       </p:sp>
@@ -15981,34 +15911,34 @@
           </a:lstStyle>
           <a:p>
             <a:r>
-              <a:rPr lang="hu-HU" dirty="0" err="1"/>
+              <a:rPr lang="en-US" dirty="0" err="1"/>
               <a:t>AISummarizeRecord</a:t>
             </a:r>
-            <a:endParaRPr lang="hu-HU" dirty="0"/>
-          </a:p>
-          <a:p>
-            <a:r>
-              <a:rPr lang="hu-HU" dirty="0" err="1"/>
+            <a:endParaRPr lang="en-US" dirty="0"/>
+          </a:p>
+          <a:p>
+            <a:r>
+              <a:rPr lang="en-US" dirty="0" err="1"/>
               <a:t>AIClassify</a:t>
             </a:r>
-            <a:endParaRPr lang="hu-HU" dirty="0"/>
-          </a:p>
-          <a:p>
-            <a:r>
-              <a:rPr lang="hu-HU" dirty="0" err="1"/>
+            <a:endParaRPr lang="en-US" dirty="0"/>
+          </a:p>
+          <a:p>
+            <a:r>
+              <a:rPr lang="en-US" dirty="0" err="1"/>
               <a:t>AITranslate</a:t>
             </a:r>
-            <a:endParaRPr lang="hu-HU" dirty="0"/>
-          </a:p>
-          <a:p>
-            <a:r>
-              <a:rPr lang="hu-HU" dirty="0" err="1"/>
+            <a:endParaRPr lang="en-US" dirty="0"/>
+          </a:p>
+          <a:p>
+            <a:r>
+              <a:rPr lang="en-US" dirty="0" err="1"/>
               <a:t>AIReply</a:t>
             </a:r>
-            <a:endParaRPr lang="hu-HU" dirty="0"/>
-          </a:p>
-          <a:p>
-            <a:endParaRPr lang="hu-HU" dirty="0"/>
+            <a:endParaRPr lang="en-US" dirty="0"/>
+          </a:p>
+          <a:p>
+            <a:endParaRPr lang="en-US" dirty="0"/>
           </a:p>
         </p:txBody>
       </p:sp>
@@ -16172,7 +16102,7 @@
           <a:lstStyle/>
           <a:p>
             <a:r>
-              <a:rPr lang="hu-HU" dirty="0"/>
+              <a:rPr lang="en-US" dirty="0"/>
               <a:t>Sources</a:t>
             </a:r>
           </a:p>
@@ -16202,154 +16132,110 @@
           <a:lstStyle/>
           <a:p>
             <a:r>
-              <a:rPr lang="hu-HU" dirty="0"/>
+              <a:rPr lang="en-US" dirty="0"/>
               <a:t>Trial and error</a:t>
             </a:r>
           </a:p>
           <a:p>
             <a:r>
-              <a:rPr lang="hu-HU" dirty="0"/>
+              <a:rPr lang="en-US" dirty="0"/>
               <a:t>Power FX documentation: </a:t>
             </a:r>
             <a:r>
-              <a:rPr lang="hu-HU" dirty="0">
+              <a:rPr lang="en-US" dirty="0">
                 <a:hlinkClick r:id="rId3"/>
               </a:rPr>
               <a:t>https://learn.microsoft.com/en-us/power-platform/power-fx/reference/function-ai</a:t>
             </a:r>
-            <a:endParaRPr lang="hu-HU" dirty="0"/>
-          </a:p>
-          <a:p>
-            <a:r>
-              <a:rPr lang="hu-HU" dirty="0"/>
+            <a:endParaRPr lang="en-US" dirty="0"/>
+          </a:p>
+          <a:p>
+            <a:r>
+              <a:rPr lang="en-US" dirty="0"/>
               <a:t>Dataverse Actions reference: </a:t>
             </a:r>
             <a:r>
-              <a:rPr lang="hu-HU" dirty="0">
+              <a:rPr lang="en-US" dirty="0">
                 <a:hlinkClick r:id="rId4"/>
               </a:rPr>
               <a:t>https://learn.microsoft.com/en-us/power-apps/developer/data-platform/webapi/reference/actions?view=dataverse-latest</a:t>
             </a:r>
-            <a:endParaRPr lang="hu-HU" dirty="0"/>
-          </a:p>
-          <a:p>
-            <a:r>
-              <a:rPr lang="hu-HU" dirty="0" err="1"/>
+            <a:endParaRPr lang="en-US" dirty="0"/>
+          </a:p>
+          <a:p>
+            <a:r>
+              <a:rPr lang="en-US" dirty="0" err="1"/>
               <a:t>Javascript</a:t>
             </a:r>
             <a:r>
-              <a:rPr lang="hu-HU" dirty="0"/>
-              <a:t> </a:t>
-            </a:r>
-            <a:r>
-              <a:rPr lang="hu-HU" dirty="0" err="1"/>
-              <a:t>action</a:t>
-            </a:r>
-            <a:r>
-              <a:rPr lang="hu-HU" dirty="0"/>
-              <a:t> </a:t>
-            </a:r>
-            <a:r>
-              <a:rPr lang="hu-HU" dirty="0" err="1"/>
-              <a:t>call</a:t>
-            </a:r>
-            <a:r>
-              <a:rPr lang="hu-HU" dirty="0"/>
-              <a:t>: </a:t>
-            </a:r>
-            <a:r>
-              <a:rPr lang="hu-HU" dirty="0">
+              <a:rPr lang="en-US" dirty="0"/>
+              <a:t> action call: </a:t>
+            </a:r>
+            <a:r>
+              <a:rPr lang="en-US" dirty="0">
                 <a:hlinkClick r:id="rId5"/>
               </a:rPr>
               <a:t>https://learn.microsoft.com/en-us/power-apps/developer/model-driven-apps/clientapi/reference/xrm-webapi/online/execute</a:t>
             </a:r>
-            <a:endParaRPr lang="hu-HU" dirty="0"/>
-          </a:p>
-          <a:p>
-            <a:r>
-              <a:rPr lang="hu-HU" dirty="0" err="1"/>
-              <a:t>Get</a:t>
-            </a:r>
-            <a:r>
-              <a:rPr lang="hu-HU" dirty="0"/>
-              <a:t> </a:t>
-            </a:r>
-            <a:r>
-              <a:rPr lang="hu-HU" dirty="0" err="1"/>
-              <a:t>started</a:t>
-            </a:r>
-            <a:r>
-              <a:rPr lang="hu-HU" dirty="0"/>
-              <a:t> </a:t>
-            </a:r>
-            <a:r>
-              <a:rPr lang="hu-HU" dirty="0" err="1"/>
-              <a:t>with</a:t>
-            </a:r>
-            <a:r>
-              <a:rPr lang="hu-HU" dirty="0"/>
-              <a:t> </a:t>
-            </a:r>
-            <a:r>
-              <a:rPr lang="hu-HU" dirty="0" err="1"/>
-              <a:t>plugins</a:t>
-            </a:r>
-            <a:r>
-              <a:rPr lang="hu-HU" dirty="0"/>
-              <a:t>: </a:t>
-            </a:r>
-            <a:r>
-              <a:rPr lang="hu-HU" dirty="0">
+            <a:endParaRPr lang="en-US" dirty="0"/>
+          </a:p>
+          <a:p>
+            <a:r>
+              <a:rPr lang="en-US" dirty="0"/>
+              <a:t>Get started with plugins: </a:t>
+            </a:r>
+            <a:r>
+              <a:rPr lang="en-US" dirty="0">
                 <a:hlinkClick r:id="rId6"/>
               </a:rPr>
               <a:t>https://learn.microsoft.com/en-us/power-apps/developer/data-platform/tutorial-write-plug-in</a:t>
             </a:r>
-            <a:endParaRPr lang="hu-HU" dirty="0"/>
-          </a:p>
-          <a:p>
-            <a:r>
-              <a:rPr lang="hu-HU" dirty="0"/>
+            <a:endParaRPr lang="en-US" dirty="0"/>
+          </a:p>
+          <a:p>
+            <a:r>
+              <a:rPr lang="en-US" dirty="0"/>
               <a:t>Power Apps Licensing: </a:t>
             </a:r>
             <a:r>
-              <a:rPr lang="hu-HU" dirty="0">
+              <a:rPr lang="en-US" dirty="0">
                 <a:hlinkClick r:id="rId7"/>
               </a:rPr>
               <a:t>https://go.microsoft.com/fwlink/?linkid=2085130</a:t>
             </a:r>
-            <a:endParaRPr lang="hu-HU" dirty="0"/>
-          </a:p>
-          <a:p>
-            <a:r>
-              <a:rPr lang="hu-HU" dirty="0"/>
+            <a:endParaRPr lang="en-US" dirty="0"/>
+          </a:p>
+          <a:p>
+            <a:r>
+              <a:rPr lang="en-US" dirty="0"/>
               <a:t>AI Builder credit management: </a:t>
             </a:r>
             <a:r>
-              <a:rPr lang="hu-HU" dirty="0">
+              <a:rPr lang="en-US" dirty="0">
                 <a:hlinkClick r:id="rId8"/>
               </a:rPr>
               <a:t>https://learn.microsoft.com/en-us/ai-builder/credit-management</a:t>
             </a:r>
-            <a:endParaRPr lang="hu-HU" dirty="0"/>
-          </a:p>
-          <a:p>
-            <a:r>
-              <a:rPr lang="hu-HU" dirty="0"/>
+            <a:endParaRPr lang="en-US" dirty="0"/>
+          </a:p>
+          <a:p>
+            <a:r>
+              <a:rPr lang="en-US" dirty="0"/>
               <a:t>Language tags: </a:t>
             </a:r>
             <a:r>
-              <a:rPr lang="hu-HU" dirty="0">
+              <a:rPr lang="en-US" dirty="0">
                 <a:hlinkClick r:id="rId9"/>
               </a:rPr>
               <a:t>https://en.wikipedia.org/wiki/IETF_language_tag</a:t>
             </a:r>
-            <a:endParaRPr lang="hu-HU" dirty="0"/>
-          </a:p>
-          <a:p>
-            <a:endParaRPr lang="hu-HU" dirty="0"/>
-          </a:p>
-          <a:p>
-            <a:endParaRPr lang="hu-HU" dirty="0"/>
+            <a:endParaRPr lang="en-US" dirty="0"/>
+          </a:p>
+          <a:p>
+            <a:endParaRPr lang="en-US" dirty="0"/>
+          </a:p>
+          <a:p>
+            <a:endParaRPr lang="en-US" dirty="0"/>
           </a:p>
         </p:txBody>
       </p:sp>
@@ -16401,13 +16287,28 @@
         </p:nvSpPr>
         <p:spPr/>
         <p:txBody>
-          <a:bodyPr/>
-          <a:lstStyle/>
-          <a:p>
-            <a:r>
-              <a:rPr lang="hu-HU" dirty="0"/>
+          <a:bodyPr>
+            <a:normAutofit/>
+          </a:bodyPr>
+          <a:lstStyle/>
+          <a:p>
+            <a:r>
+              <a:rPr lang="en-US" dirty="0"/>
               <a:t>Git repo</a:t>
             </a:r>
+            <a:br>
+              <a:rPr lang="en-US" dirty="0"/>
+            </a:br>
+            <a:r>
+              <a:rPr lang="en-US" sz="1800" dirty="0">
+                <a:hlinkClick r:id="rId3"/>
+              </a:rPr>
+              <a:t>https://github.com/csonthejjas/DataverseAIActions</a:t>
+            </a:r>
+            <a:br>
+              <a:rPr lang="hu-HU" sz="1800" dirty="0"/>
+            </a:br>
+            <a:endParaRPr lang="en-US" sz="1800" dirty="0"/>
           </a:p>
         </p:txBody>
       </p:sp>
@@ -16426,14 +16327,14 @@
           <p:nvPr/>
         </p:nvPicPr>
         <p:blipFill>
-          <a:blip r:embed="rId3"/>
+          <a:blip r:embed="rId4"/>
           <a:stretch>
             <a:fillRect/>
           </a:stretch>
         </p:blipFill>
         <p:spPr>
           <a:xfrm>
-            <a:off x="2825062" y="1411781"/>
+            <a:off x="2917998" y="1930400"/>
             <a:ext cx="4694534" cy="4466922"/>
           </a:xfrm>
           <a:prstGeom prst="rect">
@@ -16742,35 +16643,26 @@
         </p:spPr>
         <p:txBody>
           <a:bodyPr>
-            <a:normAutofit fontScale="92500" lnSpcReduction="20000"/>
+            <a:normAutofit/>
           </a:bodyPr>
           <a:lstStyle/>
           <a:p>
             <a:r>
-              <a:rPr lang="hu-HU" dirty="0"/>
+              <a:rPr lang="en-US" dirty="0"/>
               <a:t>Processes exposed on the Web API of Dynamics</a:t>
             </a:r>
           </a:p>
           <a:p>
             <a:r>
-              <a:rPr lang="hu-HU" dirty="0"/>
+              <a:rPr lang="en-US" dirty="0"/>
               <a:t>Usually implement more complex operations then CRUD</a:t>
             </a:r>
           </a:p>
           <a:p>
             <a:r>
-              <a:rPr lang="hu-HU" dirty="0"/>
+              <a:rPr lang="en-US" dirty="0"/>
               <a:t>Bound and Unbound</a:t>
             </a:r>
-          </a:p>
-          <a:p>
-            <a:r>
-              <a:rPr lang="hu-HU" dirty="0"/>
-              <a:t>Examples: Merge, AddToQueue, GrantAccess</a:t>
-            </a:r>
-          </a:p>
-          <a:p>
-            <a:endParaRPr lang="hu-HU" dirty="0"/>
           </a:p>
         </p:txBody>
       </p:sp>
@@ -17033,7 +16925,7 @@
               <a:buNone/>
             </a:pPr>
             <a:r>
-              <a:rPr lang="hu-HU" sz="3200" dirty="0">
+              <a:rPr lang="en-US" sz="3200" dirty="0">
                 <a:solidFill>
                   <a:schemeClr val="accent1"/>
                 </a:solidFill>
@@ -17043,33 +16935,41 @@
           </a:p>
           <a:p>
             <a:r>
-              <a:rPr lang="hu-HU" dirty="0"/>
+              <a:rPr lang="en-US" dirty="0"/>
               <a:t>Only operates within the context of an entity type and record</a:t>
             </a:r>
           </a:p>
           <a:p>
             <a:r>
-              <a:rPr lang="hu-HU" dirty="0"/>
-              <a:t>AddToQueue: queue entity</a:t>
-            </a:r>
-          </a:p>
-          <a:p>
-            <a:endParaRPr lang="hu-HU" dirty="0"/>
-          </a:p>
-          <a:p>
-            <a:endParaRPr lang="hu-HU" dirty="0"/>
-          </a:p>
-          <a:p>
-            <a:endParaRPr lang="hu-HU" dirty="0"/>
-          </a:p>
-          <a:p>
-            <a:endParaRPr lang="hu-HU" dirty="0"/>
-          </a:p>
-          <a:p>
-            <a:endParaRPr lang="hu-HU" dirty="0"/>
-          </a:p>
-          <a:p>
-            <a:endParaRPr lang="hu-HU" dirty="0"/>
+              <a:rPr lang="en-US" dirty="0"/>
+              <a:t>E.g.: </a:t>
+            </a:r>
+            <a:r>
+              <a:rPr lang="en-US" dirty="0" err="1"/>
+              <a:t>AddToQueue</a:t>
+            </a:r>
+            <a:r>
+              <a:rPr lang="en-US" dirty="0"/>
+              <a:t> (queue record)</a:t>
+            </a:r>
+          </a:p>
+          <a:p>
+            <a:endParaRPr lang="en-US" dirty="0"/>
+          </a:p>
+          <a:p>
+            <a:endParaRPr lang="en-US" dirty="0"/>
+          </a:p>
+          <a:p>
+            <a:endParaRPr lang="en-US" dirty="0"/>
+          </a:p>
+          <a:p>
+            <a:endParaRPr lang="en-US" dirty="0"/>
+          </a:p>
+          <a:p>
+            <a:endParaRPr lang="en-US" dirty="0"/>
+          </a:p>
+          <a:p>
+            <a:endParaRPr lang="en-US" dirty="0"/>
           </a:p>
         </p:txBody>
       </p:sp>
@@ -17332,7 +17232,7 @@
               <a:buNone/>
             </a:pPr>
             <a:r>
-              <a:rPr lang="hu-HU" sz="3200" dirty="0">
+              <a:rPr lang="en-US" sz="3200" dirty="0">
                 <a:solidFill>
                   <a:schemeClr val="accent1"/>
                 </a:solidFill>
@@ -17342,30 +17242,30 @@
           </a:p>
           <a:p>
             <a:r>
-              <a:rPr lang="hu-HU" dirty="0"/>
+              <a:rPr lang="en-US" dirty="0"/>
               <a:t>As name suggests, not bound any to entity types</a:t>
             </a:r>
           </a:p>
           <a:p>
             <a:r>
-              <a:rPr lang="hu-HU" dirty="0"/>
+              <a:rPr lang="en-US" dirty="0"/>
               <a:t>Operates only with the provided parameters</a:t>
             </a:r>
           </a:p>
           <a:p>
             <a:r>
-              <a:rPr lang="hu-HU" dirty="0"/>
-              <a:t>Merge, GrantAccess</a:t>
-            </a:r>
-          </a:p>
-          <a:p>
-            <a:r>
-              <a:rPr lang="hu-HU" dirty="0"/>
+              <a:rPr lang="en-US" dirty="0"/>
+              <a:t>E.g.: Merge</a:t>
+            </a:r>
+          </a:p>
+          <a:p>
+            <a:r>
+              <a:rPr lang="en-US" dirty="0"/>
               <a:t>AI Actions</a:t>
             </a:r>
           </a:p>
           <a:p>
-            <a:endParaRPr lang="hu-HU" dirty="0"/>
+            <a:endParaRPr lang="en-US" dirty="0"/>
           </a:p>
         </p:txBody>
       </p:sp>
@@ -17560,9 +17460,9 @@
                                           </p:stCondLst>
                                         </p:cTn>
                                         <p:tgtEl>
-                                          <p:spTgt spid="3">
+                                          <p:spTgt spid="4">
                                             <p:txEl>
-                                              <p:pRg st="3" end="3"/>
+                                              <p:pRg st="0" end="0"/>
                                             </p:txEl>
                                           </p:spTgt>
                                         </p:tgtEl>
@@ -17611,7 +17511,7 @@
                                         <p:tgtEl>
                                           <p:spTgt spid="4">
                                             <p:txEl>
-                                              <p:pRg st="0" end="0"/>
+                                              <p:pRg st="1" end="1"/>
                                             </p:txEl>
                                           </p:spTgt>
                                         </p:tgtEl>
@@ -17660,7 +17560,7 @@
                                         <p:tgtEl>
                                           <p:spTgt spid="4">
                                             <p:txEl>
-                                              <p:pRg st="1" end="1"/>
+                                              <p:pRg st="2" end="2"/>
                                             </p:txEl>
                                           </p:spTgt>
                                         </p:tgtEl>
@@ -17707,9 +17607,9 @@
                                           </p:stCondLst>
                                         </p:cTn>
                                         <p:tgtEl>
-                                          <p:spTgt spid="4">
+                                          <p:spTgt spid="5">
                                             <p:txEl>
-                                              <p:pRg st="2" end="2"/>
+                                              <p:pRg st="0" end="0"/>
                                             </p:txEl>
                                           </p:spTgt>
                                         </p:tgtEl>
@@ -17758,7 +17658,7 @@
                                         <p:tgtEl>
                                           <p:spTgt spid="5">
                                             <p:txEl>
-                                              <p:pRg st="0" end="0"/>
+                                              <p:pRg st="1" end="1"/>
                                             </p:txEl>
                                           </p:spTgt>
                                         </p:tgtEl>
@@ -17807,7 +17707,7 @@
                                         <p:tgtEl>
                                           <p:spTgt spid="5">
                                             <p:txEl>
-                                              <p:pRg st="1" end="1"/>
+                                              <p:pRg st="2" end="2"/>
                                             </p:txEl>
                                           </p:spTgt>
                                         </p:tgtEl>
@@ -17856,7 +17756,7 @@
                                         <p:tgtEl>
                                           <p:spTgt spid="5">
                                             <p:txEl>
-                                              <p:pRg st="2" end="2"/>
+                                              <p:pRg st="3" end="3"/>
                                             </p:txEl>
                                           </p:spTgt>
                                         </p:tgtEl>
@@ -17898,55 +17798,6 @@
                                     <p:set>
                                       <p:cBhvr>
                                         <p:cTn id="46" dur="1" fill="hold">
-                                          <p:stCondLst>
-                                            <p:cond delay="0"/>
-                                          </p:stCondLst>
-                                        </p:cTn>
-                                        <p:tgtEl>
-                                          <p:spTgt spid="5">
-                                            <p:txEl>
-                                              <p:pRg st="3" end="3"/>
-                                            </p:txEl>
-                                          </p:spTgt>
-                                        </p:tgtEl>
-                                        <p:attrNameLst>
-                                          <p:attrName>style.visibility</p:attrName>
-                                        </p:attrNameLst>
-                                      </p:cBhvr>
-                                      <p:to>
-                                        <p:strVal val="visible"/>
-                                      </p:to>
-                                    </p:set>
-                                  </p:childTnLst>
-                                </p:cTn>
-                              </p:par>
-                            </p:childTnLst>
-                          </p:cTn>
-                        </p:par>
-                      </p:childTnLst>
-                    </p:cTn>
-                  </p:par>
-                  <p:par>
-                    <p:cTn id="47" fill="hold">
-                      <p:stCondLst>
-                        <p:cond delay="indefinite"/>
-                      </p:stCondLst>
-                      <p:childTnLst>
-                        <p:par>
-                          <p:cTn id="48" fill="hold">
-                            <p:stCondLst>
-                              <p:cond delay="0"/>
-                            </p:stCondLst>
-                            <p:childTnLst>
-                              <p:par>
-                                <p:cTn id="49" presetID="1" presetClass="entr" presetSubtype="0" fill="hold" nodeType="clickEffect">
-                                  <p:stCondLst>
-                                    <p:cond delay="0"/>
-                                  </p:stCondLst>
-                                  <p:childTnLst>
-                                    <p:set>
-                                      <p:cBhvr>
-                                        <p:cTn id="50" dur="1" fill="hold">
                                           <p:stCondLst>
                                             <p:cond delay="0"/>
                                           </p:stCondLst>
